--- a/Проект по Яндекс Лицею.pptx
+++ b/Проект по Яндекс Лицею.pptx
@@ -10,14 +10,11 @@
     <p:sldId id="258" r:id="rId4"/>
     <p:sldId id="259" r:id="rId5"/>
     <p:sldId id="260" r:id="rId6"/>
-    <p:sldId id="261" r:id="rId7"/>
-    <p:sldId id="262" r:id="rId8"/>
-    <p:sldId id="263" r:id="rId9"/>
-    <p:sldId id="264" r:id="rId10"/>
-    <p:sldId id="265" r:id="rId11"/>
-    <p:sldId id="266" r:id="rId12"/>
-    <p:sldId id="267" r:id="rId13"/>
-    <p:sldId id="268" r:id="rId14"/>
+    <p:sldId id="264" r:id="rId7"/>
+    <p:sldId id="261" r:id="rId8"/>
+    <p:sldId id="266" r:id="rId9"/>
+    <p:sldId id="267" r:id="rId10"/>
+    <p:sldId id="268" r:id="rId11"/>
   </p:sldIdLst>
   <p:sldSz cx="12192000" cy="6858000"/>
   <p:notesSz cx="6858000" cy="9144000"/>
@@ -116,6 +113,11 @@
       </a:defRPr>
     </a:lvl9pPr>
   </p:defaultTextStyle>
+  <p:extLst>
+    <p:ext uri="{EFAFB233-063F-42B5-8137-9DF3F51BA10A}">
+      <p15:sldGuideLst xmlns:p15="http://schemas.microsoft.com/office/powerpoint/2012/main"/>
+    </p:ext>
+  </p:extLst>
 </p:presentation>
 </file>
 
@@ -266,7 +268,7 @@
           <a:p>
             <a:fld id="{B71693E7-92B8-4686-9252-DF7AA191C5B9}" type="datetimeFigureOut">
               <a:rPr lang="ru-RU" smtClean="0"/>
-              <a:t>06.01.2022</a:t>
+              <a:t>13.01.2022</a:t>
             </a:fld>
             <a:endParaRPr lang="ru-RU"/>
           </a:p>
@@ -464,7 +466,7 @@
           <a:p>
             <a:fld id="{B71693E7-92B8-4686-9252-DF7AA191C5B9}" type="datetimeFigureOut">
               <a:rPr lang="ru-RU" smtClean="0"/>
-              <a:t>06.01.2022</a:t>
+              <a:t>13.01.2022</a:t>
             </a:fld>
             <a:endParaRPr lang="ru-RU"/>
           </a:p>
@@ -672,7 +674,7 @@
           <a:p>
             <a:fld id="{B71693E7-92B8-4686-9252-DF7AA191C5B9}" type="datetimeFigureOut">
               <a:rPr lang="ru-RU" smtClean="0"/>
-              <a:t>06.01.2022</a:t>
+              <a:t>13.01.2022</a:t>
             </a:fld>
             <a:endParaRPr lang="ru-RU"/>
           </a:p>
@@ -870,7 +872,7 @@
           <a:p>
             <a:fld id="{B71693E7-92B8-4686-9252-DF7AA191C5B9}" type="datetimeFigureOut">
               <a:rPr lang="ru-RU" smtClean="0"/>
-              <a:t>06.01.2022</a:t>
+              <a:t>13.01.2022</a:t>
             </a:fld>
             <a:endParaRPr lang="ru-RU"/>
           </a:p>
@@ -1145,7 +1147,7 @@
           <a:p>
             <a:fld id="{B71693E7-92B8-4686-9252-DF7AA191C5B9}" type="datetimeFigureOut">
               <a:rPr lang="ru-RU" smtClean="0"/>
-              <a:t>06.01.2022</a:t>
+              <a:t>13.01.2022</a:t>
             </a:fld>
             <a:endParaRPr lang="ru-RU"/>
           </a:p>
@@ -1410,7 +1412,7 @@
           <a:p>
             <a:fld id="{B71693E7-92B8-4686-9252-DF7AA191C5B9}" type="datetimeFigureOut">
               <a:rPr lang="ru-RU" smtClean="0"/>
-              <a:t>06.01.2022</a:t>
+              <a:t>13.01.2022</a:t>
             </a:fld>
             <a:endParaRPr lang="ru-RU"/>
           </a:p>
@@ -1822,7 +1824,7 @@
           <a:p>
             <a:fld id="{B71693E7-92B8-4686-9252-DF7AA191C5B9}" type="datetimeFigureOut">
               <a:rPr lang="ru-RU" smtClean="0"/>
-              <a:t>06.01.2022</a:t>
+              <a:t>13.01.2022</a:t>
             </a:fld>
             <a:endParaRPr lang="ru-RU"/>
           </a:p>
@@ -1963,7 +1965,7 @@
           <a:p>
             <a:fld id="{B71693E7-92B8-4686-9252-DF7AA191C5B9}" type="datetimeFigureOut">
               <a:rPr lang="ru-RU" smtClean="0"/>
-              <a:t>06.01.2022</a:t>
+              <a:t>13.01.2022</a:t>
             </a:fld>
             <a:endParaRPr lang="ru-RU"/>
           </a:p>
@@ -2076,7 +2078,7 @@
           <a:p>
             <a:fld id="{B71693E7-92B8-4686-9252-DF7AA191C5B9}" type="datetimeFigureOut">
               <a:rPr lang="ru-RU" smtClean="0"/>
-              <a:t>06.01.2022</a:t>
+              <a:t>13.01.2022</a:t>
             </a:fld>
             <a:endParaRPr lang="ru-RU"/>
           </a:p>
@@ -2387,7 +2389,7 @@
           <a:p>
             <a:fld id="{B71693E7-92B8-4686-9252-DF7AA191C5B9}" type="datetimeFigureOut">
               <a:rPr lang="ru-RU" smtClean="0"/>
-              <a:t>06.01.2022</a:t>
+              <a:t>13.01.2022</a:t>
             </a:fld>
             <a:endParaRPr lang="ru-RU"/>
           </a:p>
@@ -2675,7 +2677,7 @@
           <a:p>
             <a:fld id="{B71693E7-92B8-4686-9252-DF7AA191C5B9}" type="datetimeFigureOut">
               <a:rPr lang="ru-RU" smtClean="0"/>
-              <a:t>06.01.2022</a:t>
+              <a:t>13.01.2022</a:t>
             </a:fld>
             <a:endParaRPr lang="ru-RU"/>
           </a:p>
@@ -2926,7 +2928,7 @@
           <a:p>
             <a:fld id="{B71693E7-92B8-4686-9252-DF7AA191C5B9}" type="datetimeFigureOut">
               <a:rPr lang="ru-RU" smtClean="0"/>
-              <a:t>06.01.2022</a:t>
+              <a:t>13.01.2022</a:t>
             </a:fld>
             <a:endParaRPr lang="ru-RU"/>
           </a:p>
@@ -3384,13 +3386,13 @@
               <a:rPr lang="en-US" b="1" dirty="0">
                 <a:latin typeface="Gabriola" panose="04040605051002020D02" pitchFamily="82" charset="0"/>
               </a:rPr>
-              <a:t>“Octopus Game</a:t>
+              <a:t>“</a:t>
             </a:r>
             <a:r>
               <a:rPr lang="ru-RU" b="1" dirty="0">
                 <a:latin typeface="Gabriola" panose="04040605051002020D02" pitchFamily="82" charset="0"/>
               </a:rPr>
-              <a:t> </a:t>
+              <a:t>Сказочная долина</a:t>
             </a:r>
             <a:r>
               <a:rPr lang="en-US" b="1" dirty="0">
@@ -3501,7 +3503,7 @@
           <p:cNvPr id="2" name="Заголовок 1">
             <a:extLst>
               <a:ext uri="{FF2B5EF4-FFF2-40B4-BE49-F238E27FC236}">
-                <a16:creationId xmlns:a16="http://schemas.microsoft.com/office/drawing/2014/main" id="{A67CF658-05E8-4BBF-844A-13E36608367F}"/>
+                <a16:creationId xmlns:a16="http://schemas.microsoft.com/office/drawing/2014/main" id="{66951CFE-4E25-47DF-9F6A-C671DBBCFCF0}"/>
               </a:ext>
             </a:extLst>
           </p:cNvPr>
@@ -3514,332 +3516,92 @@
         </p:nvSpPr>
         <p:spPr/>
         <p:txBody>
+          <a:bodyPr>
+            <a:normAutofit/>
+          </a:bodyPr>
+          <a:lstStyle/>
+          <a:p>
+            <a:r>
+              <a:rPr lang="ru-RU" sz="5400" b="1" dirty="0">
+                <a:latin typeface="Gabriola" panose="04040605051002020D02" pitchFamily="82" charset="0"/>
+              </a:rPr>
+              <a:t>Итоги, выводы, идеи для доработки:</a:t>
+            </a:r>
+          </a:p>
+        </p:txBody>
+      </p:sp>
+      <p:sp>
+        <p:nvSpPr>
+          <p:cNvPr id="3" name="Объект 2">
+            <a:extLst>
+              <a:ext uri="{FF2B5EF4-FFF2-40B4-BE49-F238E27FC236}">
+                <a16:creationId xmlns:a16="http://schemas.microsoft.com/office/drawing/2014/main" id="{62D81429-F662-462A-B26F-AD3D3F745259}"/>
+              </a:ext>
+            </a:extLst>
+          </p:cNvPr>
+          <p:cNvSpPr>
+            <a:spLocks noGrp="1"/>
+          </p:cNvSpPr>
+          <p:nvPr>
+            <p:ph idx="1"/>
+          </p:nvPr>
+        </p:nvSpPr>
+        <p:spPr/>
+        <p:txBody>
           <a:bodyPr/>
           <a:lstStyle/>
           <a:p>
             <a:r>
               <a:rPr lang="ru-RU" dirty="0"/>
-              <a:t>Импортированные библиотеки</a:t>
-            </a:r>
-          </a:p>
-        </p:txBody>
-      </p:sp>
-      <p:sp>
-        <p:nvSpPr>
-          <p:cNvPr id="3" name="Объект 2">
-            <a:extLst>
-              <a:ext uri="{FF2B5EF4-FFF2-40B4-BE49-F238E27FC236}">
-                <a16:creationId xmlns:a16="http://schemas.microsoft.com/office/drawing/2014/main" id="{04860D44-1BE6-439B-AB23-36A1E1E01DE8}"/>
-              </a:ext>
-            </a:extLst>
-          </p:cNvPr>
-          <p:cNvSpPr>
-            <a:spLocks noGrp="1"/>
-          </p:cNvSpPr>
-          <p:nvPr>
-            <p:ph idx="1"/>
-          </p:nvPr>
-        </p:nvSpPr>
-        <p:spPr/>
-        <p:txBody>
-          <a:bodyPr/>
-          <a:lstStyle/>
-          <a:p>
-            <a:endParaRPr lang="ru-RU"/>
-          </a:p>
-        </p:txBody>
-      </p:sp>
-    </p:spTree>
-    <p:extLst>
-      <p:ext uri="{BB962C8B-B14F-4D97-AF65-F5344CB8AC3E}">
-        <p14:creationId xmlns:p14="http://schemas.microsoft.com/office/powerpoint/2010/main" val="3763911020"/>
-      </p:ext>
-    </p:extLst>
-  </p:cSld>
-  <p:clrMapOvr>
-    <a:masterClrMapping/>
-  </p:clrMapOvr>
-</p:sld>
-</file>
-
-<file path=ppt/slides/slide11.xml><?xml version="1.0" encoding="utf-8"?>
-<p:sld xmlns:a="http://schemas.openxmlformats.org/drawingml/2006/main" xmlns:r="http://schemas.openxmlformats.org/officeDocument/2006/relationships" xmlns:p="http://schemas.openxmlformats.org/presentationml/2006/main">
-  <p:cSld>
-    <p:bg>
-      <p:bgPr>
-        <a:blipFill dpi="0" rotWithShape="1">
-          <a:blip r:embed="rId2">
-            <a:alphaModFix amt="31000"/>
-            <a:lum/>
-          </a:blip>
-          <a:srcRect/>
-          <a:stretch>
-            <a:fillRect t="-13000" b="-13000"/>
-          </a:stretch>
-        </a:blipFill>
-        <a:effectLst/>
-      </p:bgPr>
-    </p:bg>
-    <p:spTree>
-      <p:nvGrpSpPr>
-        <p:cNvPr id="1" name=""/>
-        <p:cNvGrpSpPr/>
-        <p:nvPr/>
-      </p:nvGrpSpPr>
-      <p:grpSpPr>
-        <a:xfrm>
-          <a:off x="0" y="0"/>
-          <a:ext cx="0" cy="0"/>
-          <a:chOff x="0" y="0"/>
-          <a:chExt cx="0" cy="0"/>
-        </a:xfrm>
-      </p:grpSpPr>
-      <p:sp>
-        <p:nvSpPr>
-          <p:cNvPr id="2" name="Заголовок 1">
-            <a:extLst>
-              <a:ext uri="{FF2B5EF4-FFF2-40B4-BE49-F238E27FC236}">
-                <a16:creationId xmlns:a16="http://schemas.microsoft.com/office/drawing/2014/main" id="{C4E3BC85-5F2E-4B48-A10F-53BE58F43E14}"/>
-              </a:ext>
-            </a:extLst>
-          </p:cNvPr>
-          <p:cNvSpPr>
-            <a:spLocks noGrp="1"/>
-          </p:cNvSpPr>
-          <p:nvPr>
-            <p:ph type="title"/>
-          </p:nvPr>
-        </p:nvSpPr>
-        <p:spPr/>
-        <p:txBody>
-          <a:bodyPr/>
-          <a:lstStyle/>
-          <a:p>
-            <a:r>
-              <a:rPr lang="ru-RU" dirty="0"/>
-              <a:t>Таблицы в базе данных</a:t>
-            </a:r>
-          </a:p>
-        </p:txBody>
-      </p:sp>
-      <p:sp>
-        <p:nvSpPr>
-          <p:cNvPr id="3" name="Объект 2">
-            <a:extLst>
-              <a:ext uri="{FF2B5EF4-FFF2-40B4-BE49-F238E27FC236}">
-                <a16:creationId xmlns:a16="http://schemas.microsoft.com/office/drawing/2014/main" id="{B37DE196-16A2-4439-B4DE-6BC4091D9220}"/>
-              </a:ext>
-            </a:extLst>
-          </p:cNvPr>
-          <p:cNvSpPr>
-            <a:spLocks noGrp="1"/>
-          </p:cNvSpPr>
-          <p:nvPr>
-            <p:ph idx="1"/>
-          </p:nvPr>
-        </p:nvSpPr>
-        <p:spPr/>
-        <p:txBody>
-          <a:bodyPr/>
-          <a:lstStyle/>
-          <a:p>
-            <a:endParaRPr lang="ru-RU"/>
-          </a:p>
-        </p:txBody>
-      </p:sp>
-    </p:spTree>
-    <p:extLst>
-      <p:ext uri="{BB962C8B-B14F-4D97-AF65-F5344CB8AC3E}">
-        <p14:creationId xmlns:p14="http://schemas.microsoft.com/office/powerpoint/2010/main" val="1794701630"/>
-      </p:ext>
-    </p:extLst>
-  </p:cSld>
-  <p:clrMapOvr>
-    <a:masterClrMapping/>
-  </p:clrMapOvr>
-</p:sld>
-</file>
-
-<file path=ppt/slides/slide12.xml><?xml version="1.0" encoding="utf-8"?>
-<p:sld xmlns:a="http://schemas.openxmlformats.org/drawingml/2006/main" xmlns:r="http://schemas.openxmlformats.org/officeDocument/2006/relationships" xmlns:p="http://schemas.openxmlformats.org/presentationml/2006/main">
-  <p:cSld>
-    <p:bg>
-      <p:bgPr>
-        <a:blipFill dpi="0" rotWithShape="1">
-          <a:blip r:embed="rId2">
-            <a:alphaModFix amt="31000"/>
-            <a:lum/>
-          </a:blip>
-          <a:srcRect/>
-          <a:stretch>
-            <a:fillRect t="-13000" b="-13000"/>
-          </a:stretch>
-        </a:blipFill>
-        <a:effectLst/>
-      </p:bgPr>
-    </p:bg>
-    <p:spTree>
-      <p:nvGrpSpPr>
-        <p:cNvPr id="1" name=""/>
-        <p:cNvGrpSpPr/>
-        <p:nvPr/>
-      </p:nvGrpSpPr>
-      <p:grpSpPr>
-        <a:xfrm>
-          <a:off x="0" y="0"/>
-          <a:ext cx="0" cy="0"/>
-          <a:chOff x="0" y="0"/>
-          <a:chExt cx="0" cy="0"/>
-        </a:xfrm>
-      </p:grpSpPr>
-      <p:sp>
-        <p:nvSpPr>
-          <p:cNvPr id="2" name="Заголовок 1">
-            <a:extLst>
-              <a:ext uri="{FF2B5EF4-FFF2-40B4-BE49-F238E27FC236}">
-                <a16:creationId xmlns:a16="http://schemas.microsoft.com/office/drawing/2014/main" id="{F6640370-AA15-4AD8-BD53-C0D415587C9E}"/>
-              </a:ext>
-            </a:extLst>
-          </p:cNvPr>
-          <p:cNvSpPr>
-            <a:spLocks noGrp="1"/>
-          </p:cNvSpPr>
-          <p:nvPr>
-            <p:ph type="title"/>
-          </p:nvPr>
-        </p:nvSpPr>
-        <p:spPr/>
-        <p:txBody>
-          <a:bodyPr/>
-          <a:lstStyle/>
-          <a:p>
-            <a:r>
-              <a:rPr lang="ru-RU" dirty="0"/>
-              <a:t>Текстовый файл</a:t>
-            </a:r>
-          </a:p>
-        </p:txBody>
-      </p:sp>
-      <p:sp>
-        <p:nvSpPr>
-          <p:cNvPr id="3" name="Объект 2">
-            <a:extLst>
-              <a:ext uri="{FF2B5EF4-FFF2-40B4-BE49-F238E27FC236}">
-                <a16:creationId xmlns:a16="http://schemas.microsoft.com/office/drawing/2014/main" id="{AAC67B6D-754D-4DDA-8C9E-C079F6D910DE}"/>
-              </a:ext>
-            </a:extLst>
-          </p:cNvPr>
-          <p:cNvSpPr>
-            <a:spLocks noGrp="1"/>
-          </p:cNvSpPr>
-          <p:nvPr>
-            <p:ph idx="1"/>
-          </p:nvPr>
-        </p:nvSpPr>
-        <p:spPr/>
-        <p:txBody>
-          <a:bodyPr/>
-          <a:lstStyle/>
-          <a:p>
-            <a:endParaRPr lang="ru-RU"/>
-          </a:p>
-        </p:txBody>
-      </p:sp>
-    </p:spTree>
-    <p:extLst>
-      <p:ext uri="{BB962C8B-B14F-4D97-AF65-F5344CB8AC3E}">
-        <p14:creationId xmlns:p14="http://schemas.microsoft.com/office/powerpoint/2010/main" val="2289592213"/>
-      </p:ext>
-    </p:extLst>
-  </p:cSld>
-  <p:clrMapOvr>
-    <a:masterClrMapping/>
-  </p:clrMapOvr>
-</p:sld>
-</file>
-
-<file path=ppt/slides/slide13.xml><?xml version="1.0" encoding="utf-8"?>
-<p:sld xmlns:a="http://schemas.openxmlformats.org/drawingml/2006/main" xmlns:r="http://schemas.openxmlformats.org/officeDocument/2006/relationships" xmlns:p="http://schemas.openxmlformats.org/presentationml/2006/main">
-  <p:cSld>
-    <p:bg>
-      <p:bgPr>
-        <a:blipFill dpi="0" rotWithShape="1">
-          <a:blip r:embed="rId2">
-            <a:alphaModFix amt="31000"/>
-            <a:lum/>
-          </a:blip>
-          <a:srcRect/>
-          <a:stretch>
-            <a:fillRect t="-13000" b="-13000"/>
-          </a:stretch>
-        </a:blipFill>
-        <a:effectLst/>
-      </p:bgPr>
-    </p:bg>
-    <p:spTree>
-      <p:nvGrpSpPr>
-        <p:cNvPr id="1" name=""/>
-        <p:cNvGrpSpPr/>
-        <p:nvPr/>
-      </p:nvGrpSpPr>
-      <p:grpSpPr>
-        <a:xfrm>
-          <a:off x="0" y="0"/>
-          <a:ext cx="0" cy="0"/>
-          <a:chOff x="0" y="0"/>
-          <a:chExt cx="0" cy="0"/>
-        </a:xfrm>
-      </p:grpSpPr>
-      <p:sp>
-        <p:nvSpPr>
-          <p:cNvPr id="2" name="Заголовок 1">
-            <a:extLst>
-              <a:ext uri="{FF2B5EF4-FFF2-40B4-BE49-F238E27FC236}">
-                <a16:creationId xmlns:a16="http://schemas.microsoft.com/office/drawing/2014/main" id="{66951CFE-4E25-47DF-9F6A-C671DBBCFCF0}"/>
-              </a:ext>
-            </a:extLst>
-          </p:cNvPr>
-          <p:cNvSpPr>
-            <a:spLocks noGrp="1"/>
-          </p:cNvSpPr>
-          <p:nvPr>
-            <p:ph type="title"/>
-          </p:nvPr>
-        </p:nvSpPr>
-        <p:spPr/>
-        <p:txBody>
-          <a:bodyPr/>
-          <a:lstStyle/>
-          <a:p>
-            <a:r>
-              <a:rPr lang="ru-RU"/>
-              <a:t>Итоги, выводы, идеи для доработки:</a:t>
-            </a:r>
-          </a:p>
-        </p:txBody>
-      </p:sp>
-      <p:sp>
-        <p:nvSpPr>
-          <p:cNvPr id="3" name="Объект 2">
-            <a:extLst>
-              <a:ext uri="{FF2B5EF4-FFF2-40B4-BE49-F238E27FC236}">
-                <a16:creationId xmlns:a16="http://schemas.microsoft.com/office/drawing/2014/main" id="{62D81429-F662-462A-B26F-AD3D3F745259}"/>
-              </a:ext>
-            </a:extLst>
-          </p:cNvPr>
-          <p:cNvSpPr>
-            <a:spLocks noGrp="1"/>
-          </p:cNvSpPr>
-          <p:nvPr>
-            <p:ph idx="1"/>
-          </p:nvPr>
-        </p:nvSpPr>
-        <p:spPr/>
-        <p:txBody>
-          <a:bodyPr/>
-          <a:lstStyle/>
-          <a:p>
-            <a:endParaRPr lang="ru-RU"/>
+              <a:t> </a:t>
+            </a:r>
+            <a:r>
+              <a:rPr lang="ru-RU" dirty="0">
+                <a:latin typeface="Gabriola" panose="04040605051002020D02" pitchFamily="82" charset="0"/>
+              </a:rPr>
+              <a:t>улучшение дизайна</a:t>
+            </a:r>
+          </a:p>
+          <a:p>
+            <a:r>
+              <a:rPr lang="ru-RU" dirty="0">
+                <a:latin typeface="Gabriola" panose="04040605051002020D02" pitchFamily="82" charset="0"/>
+              </a:rPr>
+              <a:t> создание большего количества уровней в мини-играх</a:t>
+            </a:r>
+          </a:p>
+          <a:p>
+            <a:r>
+              <a:rPr lang="ru-RU" dirty="0">
+                <a:latin typeface="Gabriola" panose="04040605051002020D02" pitchFamily="82" charset="0"/>
+              </a:rPr>
+              <a:t> усложнение карт лабиринта</a:t>
+            </a:r>
+          </a:p>
+          <a:p>
+            <a:r>
+              <a:rPr lang="ru-RU" dirty="0">
+                <a:latin typeface="Gabriola" panose="04040605051002020D02" pitchFamily="82" charset="0"/>
+              </a:rPr>
+              <a:t> добавление новых персонажей в лабиринт</a:t>
+            </a:r>
+          </a:p>
+          <a:p>
+            <a:r>
+              <a:rPr lang="ru-RU" dirty="0">
+                <a:latin typeface="Gabriola" panose="04040605051002020D02" pitchFamily="82" charset="0"/>
+              </a:rPr>
+              <a:t> разрез фруктов не нажатием, а проведением по ним курсором мышки</a:t>
+            </a:r>
+          </a:p>
+          <a:p>
+            <a:r>
+              <a:rPr lang="ru-RU" dirty="0">
+                <a:latin typeface="Gabriola" panose="04040605051002020D02" pitchFamily="82" charset="0"/>
+              </a:rPr>
+              <a:t> большее количество анимации</a:t>
+            </a:r>
+            <a:endParaRPr lang="ru-RU" dirty="0"/>
           </a:p>
         </p:txBody>
       </p:sp>
@@ -3936,40 +3698,46 @@
             <p:ph idx="1"/>
           </p:nvPr>
         </p:nvSpPr>
-        <p:spPr/>
+        <p:spPr>
+          <a:xfrm>
+            <a:off x="575035" y="1825625"/>
+            <a:ext cx="10778765" cy="4351338"/>
+          </a:xfrm>
+        </p:spPr>
         <p:txBody>
           <a:bodyPr/>
           <a:lstStyle/>
           <a:p>
-            <a:r>
-              <a:rPr lang="ru-RU" sz="3200" b="1" dirty="0">
+            <a:pPr marL="0" indent="0">
+              <a:buNone/>
+            </a:pPr>
+            <a:r>
+              <a:rPr lang="ru-RU" sz="3200" dirty="0">
                 <a:latin typeface="Gabriola" panose="04040605051002020D02" pitchFamily="82" charset="0"/>
               </a:rPr>
-              <a:t> Создать игру по мотивам популярного сериала "</a:t>
-            </a:r>
-            <a:r>
-              <a:rPr lang="ru-RU" sz="3200" b="1" dirty="0" err="1">
+              <a:t>Создать игру, состоящую из двух мини-игр, где можно выбирать разные уровни сложности.</a:t>
+            </a:r>
+          </a:p>
+          <a:p>
+            <a:pPr marL="0" indent="0">
+              <a:buNone/>
+            </a:pPr>
+            <a:r>
+              <a:rPr lang="ru-RU" sz="3200" dirty="0">
                 <a:latin typeface="Gabriola" panose="04040605051002020D02" pitchFamily="82" charset="0"/>
               </a:rPr>
-              <a:t>Squid</a:t>
-            </a:r>
-            <a:r>
-              <a:rPr lang="ru-RU" sz="3200" b="1" dirty="0">
+              <a:t> 1 Мини-игра: «Волшебный лабиринт»</a:t>
+            </a:r>
+          </a:p>
+          <a:p>
+            <a:pPr marL="0" indent="0">
+              <a:buNone/>
+            </a:pPr>
+            <a:r>
+              <a:rPr lang="ru-RU" sz="3200" dirty="0">
                 <a:latin typeface="Gabriola" panose="04040605051002020D02" pitchFamily="82" charset="0"/>
               </a:rPr>
-              <a:t> </a:t>
-            </a:r>
-            <a:r>
-              <a:rPr lang="ru-RU" sz="3200" b="1" dirty="0" err="1">
-                <a:latin typeface="Gabriola" panose="04040605051002020D02" pitchFamily="82" charset="0"/>
-              </a:rPr>
-              <a:t>Game</a:t>
-            </a:r>
-            <a:r>
-              <a:rPr lang="ru-RU" sz="3200" b="1" dirty="0">
-                <a:latin typeface="Gabriola" panose="04040605051002020D02" pitchFamily="82" charset="0"/>
-              </a:rPr>
-              <a:t>", для прохождения которой пользователю необходимо пройти три испытания, чем-то напоминающих испытания фильма. Каждое испытание требует к себе внимательности и чуточку удачи, с первого раза пройти их практически невозможно.</a:t>
+              <a:t> 2  Мини-игра: «Фруктовый ниндзя»</a:t>
             </a:r>
           </a:p>
           <a:p>
@@ -4091,10 +3859,57 @@
         </p:nvSpPr>
         <p:spPr/>
         <p:txBody>
-          <a:bodyPr/>
-          <a:lstStyle/>
-          <a:p>
-            <a:endParaRPr lang="ru-RU" dirty="0"/>
+          <a:bodyPr>
+            <a:normAutofit/>
+          </a:bodyPr>
+          <a:lstStyle/>
+          <a:p>
+            <a:pPr>
+              <a:buFont typeface="Wingdings" panose="05000000000000000000" pitchFamily="2" charset="2"/>
+              <a:buChar char="q"/>
+            </a:pPr>
+            <a:r>
+              <a:rPr lang="ru-RU" sz="3200" dirty="0">
+                <a:latin typeface="Gabriola" panose="04040605051002020D02" pitchFamily="82" charset="0"/>
+              </a:rPr>
+              <a:t> ввод данных о пользователе в базу данных</a:t>
+            </a:r>
+          </a:p>
+          <a:p>
+            <a:pPr>
+              <a:buFont typeface="Wingdings" panose="05000000000000000000" pitchFamily="2" charset="2"/>
+              <a:buChar char="q"/>
+            </a:pPr>
+            <a:r>
+              <a:rPr lang="ru-RU" sz="3200" dirty="0">
+                <a:latin typeface="Gabriola" panose="04040605051002020D02" pitchFamily="82" charset="0"/>
+              </a:rPr>
+              <a:t> меню с выбором мини-игр и их уровней</a:t>
+            </a:r>
+          </a:p>
+          <a:p>
+            <a:pPr>
+              <a:buFont typeface="Wingdings" panose="05000000000000000000" pitchFamily="2" charset="2"/>
+              <a:buChar char="q"/>
+            </a:pPr>
+            <a:r>
+              <a:rPr lang="ru-RU" sz="3200" dirty="0">
+                <a:latin typeface="Gabriola" panose="04040605051002020D02" pitchFamily="82" charset="0"/>
+              </a:rPr>
+              <a:t> инструкция для мини-игры</a:t>
+            </a:r>
+          </a:p>
+          <a:p>
+            <a:pPr>
+              <a:buFont typeface="Wingdings" panose="05000000000000000000" pitchFamily="2" charset="2"/>
+              <a:buChar char="q"/>
+            </a:pPr>
+            <a:r>
+              <a:rPr lang="ru-RU" sz="3200" dirty="0">
+                <a:latin typeface="Gabriola" panose="04040605051002020D02" pitchFamily="82" charset="0"/>
+              </a:rPr>
+              <a:t> игра с окнами выигрыша и проигрыша</a:t>
+            </a:r>
           </a:p>
         </p:txBody>
       </p:sp>
@@ -4161,45 +3976,141 @@
         </p:nvSpPr>
         <p:spPr/>
         <p:txBody>
-          <a:bodyPr/>
-          <a:lstStyle/>
-          <a:p>
-            <a:r>
-              <a:rPr lang="en-US" dirty="0"/>
+          <a:bodyPr>
+            <a:normAutofit/>
+          </a:bodyPr>
+          <a:lstStyle/>
+          <a:p>
+            <a:r>
+              <a:rPr lang="en-US" sz="5400" dirty="0">
+                <a:latin typeface="Gabriola" panose="04040605051002020D02" pitchFamily="82" charset="0"/>
+              </a:rPr>
               <a:t>1 </a:t>
             </a:r>
             <a:r>
-              <a:rPr lang="ru-RU" dirty="0"/>
+              <a:rPr lang="ru-RU" sz="5400" dirty="0">
+                <a:latin typeface="Gabriola" panose="04040605051002020D02" pitchFamily="82" charset="0"/>
+              </a:rPr>
               <a:t>окно</a:t>
             </a:r>
           </a:p>
         </p:txBody>
       </p:sp>
-      <p:sp>
-        <p:nvSpPr>
-          <p:cNvPr id="3" name="Объект 2">
-            <a:extLst>
-              <a:ext uri="{FF2B5EF4-FFF2-40B4-BE49-F238E27FC236}">
-                <a16:creationId xmlns:a16="http://schemas.microsoft.com/office/drawing/2014/main" id="{FFDE2DEE-4B3A-407E-9FC7-14D9BD05074D}"/>
-              </a:ext>
-            </a:extLst>
-          </p:cNvPr>
-          <p:cNvSpPr>
-            <a:spLocks noGrp="1"/>
-          </p:cNvSpPr>
+      <p:pic>
+        <p:nvPicPr>
+          <p:cNvPr id="4" name="Объект 3">
+            <a:extLst>
+              <a:ext uri="{FF2B5EF4-FFF2-40B4-BE49-F238E27FC236}">
+                <a16:creationId xmlns:a16="http://schemas.microsoft.com/office/drawing/2014/main" id="{BA3EA85B-32BA-4964-A222-7C3DBA60243D}"/>
+              </a:ext>
+            </a:extLst>
+          </p:cNvPr>
+          <p:cNvPicPr>
+            <a:picLocks noGrp="1" noChangeAspect="1"/>
+          </p:cNvPicPr>
           <p:nvPr>
             <p:ph idx="1"/>
           </p:nvPr>
-        </p:nvSpPr>
-        <p:spPr/>
-        <p:txBody>
-          <a:bodyPr/>
-          <a:lstStyle/>
-          <a:p>
-            <a:endParaRPr lang="ru-RU" dirty="0"/>
-          </a:p>
-        </p:txBody>
-      </p:sp>
+        </p:nvPicPr>
+        <p:blipFill>
+          <a:blip r:embed="rId3"/>
+          <a:stretch>
+            <a:fillRect/>
+          </a:stretch>
+        </p:blipFill>
+        <p:spPr>
+          <a:xfrm>
+            <a:off x="4534528" y="1292178"/>
+            <a:ext cx="6819272" cy="4477025"/>
+          </a:xfrm>
+          <a:prstGeom prst="rect">
+            <a:avLst/>
+          </a:prstGeom>
+        </p:spPr>
+      </p:pic>
+      <p:sp>
+        <p:nvSpPr>
+          <p:cNvPr id="5" name="TextBox 4">
+            <a:extLst>
+              <a:ext uri="{FF2B5EF4-FFF2-40B4-BE49-F238E27FC236}">
+                <a16:creationId xmlns:a16="http://schemas.microsoft.com/office/drawing/2014/main" id="{BD0D62C1-0349-4B83-AD76-98AD911ACB5A}"/>
+              </a:ext>
+            </a:extLst>
+          </p:cNvPr>
+          <p:cNvSpPr txBox="1"/>
+          <p:nvPr/>
+        </p:nvSpPr>
+        <p:spPr>
+          <a:xfrm>
+            <a:off x="631596" y="2724346"/>
+            <a:ext cx="5750350" cy="1077218"/>
+          </a:xfrm>
+          <a:prstGeom prst="rect">
+            <a:avLst/>
+          </a:prstGeom>
+          <a:noFill/>
+        </p:spPr>
+        <p:txBody>
+          <a:bodyPr wrap="square" rtlCol="0">
+            <a:spAutoFit/>
+          </a:bodyPr>
+          <a:lstStyle/>
+          <a:p>
+            <a:pPr marL="457200" indent="-457200">
+              <a:buFont typeface="Arial" panose="020B0604020202020204" pitchFamily="34" charset="0"/>
+              <a:buChar char="•"/>
+            </a:pPr>
+            <a:r>
+              <a:rPr lang="ru-RU" sz="3200" dirty="0">
+                <a:latin typeface="Gabriola" panose="04040605051002020D02" pitchFamily="82" charset="0"/>
+              </a:rPr>
+              <a:t>Ввод данных в БД</a:t>
+            </a:r>
+          </a:p>
+          <a:p>
+            <a:pPr marL="457200" indent="-457200">
+              <a:buFont typeface="Arial" panose="020B0604020202020204" pitchFamily="34" charset="0"/>
+              <a:buChar char="•"/>
+            </a:pPr>
+            <a:r>
+              <a:rPr lang="ru-RU" sz="3200" dirty="0">
+                <a:latin typeface="Gabriola" panose="04040605051002020D02" pitchFamily="82" charset="0"/>
+              </a:rPr>
+              <a:t> 3 диалоговых окна </a:t>
+            </a:r>
+          </a:p>
+        </p:txBody>
+      </p:sp>
+      <p:pic>
+        <p:nvPicPr>
+          <p:cNvPr id="6" name="Рисунок 5">
+            <a:extLst>
+              <a:ext uri="{FF2B5EF4-FFF2-40B4-BE49-F238E27FC236}">
+                <a16:creationId xmlns:a16="http://schemas.microsoft.com/office/drawing/2014/main" id="{D4E93493-0D95-49AF-B501-E65FDE0F510B}"/>
+              </a:ext>
+            </a:extLst>
+          </p:cNvPr>
+          <p:cNvPicPr>
+            <a:picLocks noChangeAspect="1"/>
+          </p:cNvPicPr>
+          <p:nvPr/>
+        </p:nvPicPr>
+        <p:blipFill>
+          <a:blip r:embed="rId4"/>
+          <a:stretch>
+            <a:fillRect/>
+          </a:stretch>
+        </p:blipFill>
+        <p:spPr>
+          <a:xfrm>
+            <a:off x="10521799" y="3541649"/>
+            <a:ext cx="1337121" cy="998658"/>
+          </a:xfrm>
+          <a:prstGeom prst="rect">
+            <a:avLst/>
+          </a:prstGeom>
+        </p:spPr>
+      </p:pic>
     </p:spTree>
     <p:extLst>
       <p:ext uri="{BB962C8B-B14F-4D97-AF65-F5344CB8AC3E}">
@@ -4263,41 +4174,82 @@
         </p:nvSpPr>
         <p:spPr/>
         <p:txBody>
-          <a:bodyPr/>
-          <a:lstStyle/>
-          <a:p>
-            <a:r>
-              <a:rPr lang="ru-RU" dirty="0"/>
-              <a:t>1 уровень игры</a:t>
-            </a:r>
-          </a:p>
-        </p:txBody>
-      </p:sp>
-      <p:sp>
-        <p:nvSpPr>
-          <p:cNvPr id="3" name="Объект 2">
-            <a:extLst>
-              <a:ext uri="{FF2B5EF4-FFF2-40B4-BE49-F238E27FC236}">
-                <a16:creationId xmlns:a16="http://schemas.microsoft.com/office/drawing/2014/main" id="{4F1B0AD4-021E-4B3F-8B98-E05FAACDC083}"/>
-              </a:ext>
-            </a:extLst>
-          </p:cNvPr>
-          <p:cNvSpPr>
-            <a:spLocks noGrp="1"/>
-          </p:cNvSpPr>
+          <a:bodyPr>
+            <a:normAutofit/>
+          </a:bodyPr>
+          <a:lstStyle/>
+          <a:p>
+            <a:r>
+              <a:rPr lang="ru-RU" sz="5400" dirty="0">
+                <a:latin typeface="Gabriola" panose="04040605051002020D02" pitchFamily="82" charset="0"/>
+              </a:rPr>
+              <a:t>Выбор мини-игры</a:t>
+            </a:r>
+          </a:p>
+        </p:txBody>
+      </p:sp>
+      <p:pic>
+        <p:nvPicPr>
+          <p:cNvPr id="4" name="Объект 3">
+            <a:extLst>
+              <a:ext uri="{FF2B5EF4-FFF2-40B4-BE49-F238E27FC236}">
+                <a16:creationId xmlns:a16="http://schemas.microsoft.com/office/drawing/2014/main" id="{778DEBA7-4304-4552-87A5-F1AA807809E1}"/>
+              </a:ext>
+            </a:extLst>
+          </p:cNvPr>
+          <p:cNvPicPr>
+            <a:picLocks noGrp="1" noChangeAspect="1"/>
+          </p:cNvPicPr>
           <p:nvPr>
             <p:ph idx="1"/>
           </p:nvPr>
-        </p:nvSpPr>
-        <p:spPr/>
-        <p:txBody>
-          <a:bodyPr/>
-          <a:lstStyle/>
-          <a:p>
-            <a:endParaRPr lang="ru-RU" dirty="0"/>
-          </a:p>
-        </p:txBody>
-      </p:sp>
+        </p:nvPicPr>
+        <p:blipFill>
+          <a:blip r:embed="rId3"/>
+          <a:stretch>
+            <a:fillRect/>
+          </a:stretch>
+        </p:blipFill>
+        <p:spPr>
+          <a:xfrm>
+            <a:off x="8960915" y="3063712"/>
+            <a:ext cx="2576686" cy="1740738"/>
+          </a:xfrm>
+          <a:prstGeom prst="rect">
+            <a:avLst/>
+          </a:prstGeom>
+        </p:spPr>
+      </p:pic>
+      <p:pic>
+        <p:nvPicPr>
+          <p:cNvPr id="5" name="Рисунок 4">
+            <a:extLst>
+              <a:ext uri="{FF2B5EF4-FFF2-40B4-BE49-F238E27FC236}">
+                <a16:creationId xmlns:a16="http://schemas.microsoft.com/office/drawing/2014/main" id="{5C88E8A1-B61B-49BF-9430-939CEE6344A8}"/>
+              </a:ext>
+            </a:extLst>
+          </p:cNvPr>
+          <p:cNvPicPr>
+            <a:picLocks noChangeAspect="1"/>
+          </p:cNvPicPr>
+          <p:nvPr/>
+        </p:nvPicPr>
+        <p:blipFill>
+          <a:blip r:embed="rId4"/>
+          <a:stretch>
+            <a:fillRect/>
+          </a:stretch>
+        </p:blipFill>
+        <p:spPr>
+          <a:xfrm>
+            <a:off x="838200" y="1913642"/>
+            <a:ext cx="7605738" cy="4297162"/>
+          </a:xfrm>
+          <a:prstGeom prst="rect">
+            <a:avLst/>
+          </a:prstGeom>
+        </p:spPr>
+      </p:pic>
     </p:spTree>
     <p:extLst>
       <p:ext uri="{BB962C8B-B14F-4D97-AF65-F5344CB8AC3E}">
@@ -4348,7 +4300,7 @@
           <p:cNvPr id="2" name="Заголовок 1">
             <a:extLst>
               <a:ext uri="{FF2B5EF4-FFF2-40B4-BE49-F238E27FC236}">
-                <a16:creationId xmlns:a16="http://schemas.microsoft.com/office/drawing/2014/main" id="{83C82F83-74B2-4A12-BEC1-03D6513E0B72}"/>
+                <a16:creationId xmlns:a16="http://schemas.microsoft.com/office/drawing/2014/main" id="{D671BF0C-2643-42AF-A3B1-73AE359F805E}"/>
               </a:ext>
             </a:extLst>
           </p:cNvPr>
@@ -4361,45 +4313,86 @@
         </p:nvSpPr>
         <p:spPr/>
         <p:txBody>
-          <a:bodyPr/>
-          <a:lstStyle/>
-          <a:p>
-            <a:r>
-              <a:rPr lang="ru-RU" dirty="0"/>
-              <a:t>2 уровень игры</a:t>
-            </a:r>
-          </a:p>
-        </p:txBody>
-      </p:sp>
-      <p:sp>
-        <p:nvSpPr>
-          <p:cNvPr id="3" name="Объект 2">
-            <a:extLst>
-              <a:ext uri="{FF2B5EF4-FFF2-40B4-BE49-F238E27FC236}">
-                <a16:creationId xmlns:a16="http://schemas.microsoft.com/office/drawing/2014/main" id="{1B60CB10-815C-4D38-9813-D7A49EF0C626}"/>
-              </a:ext>
-            </a:extLst>
-          </p:cNvPr>
-          <p:cNvSpPr>
-            <a:spLocks noGrp="1"/>
-          </p:cNvSpPr>
+          <a:bodyPr>
+            <a:normAutofit/>
+          </a:bodyPr>
+          <a:lstStyle/>
+          <a:p>
+            <a:r>
+              <a:rPr lang="ru-RU" sz="5400" dirty="0">
+                <a:latin typeface="Gabriola" panose="04040605051002020D02" pitchFamily="82" charset="0"/>
+              </a:rPr>
+              <a:t>Окна выигрыша и проигрыша</a:t>
+            </a:r>
+          </a:p>
+        </p:txBody>
+      </p:sp>
+      <p:pic>
+        <p:nvPicPr>
+          <p:cNvPr id="4" name="Объект 3">
+            <a:extLst>
+              <a:ext uri="{FF2B5EF4-FFF2-40B4-BE49-F238E27FC236}">
+                <a16:creationId xmlns:a16="http://schemas.microsoft.com/office/drawing/2014/main" id="{C9C0865A-A046-4F0F-81B7-3E265EF8EE7D}"/>
+              </a:ext>
+            </a:extLst>
+          </p:cNvPr>
+          <p:cNvPicPr>
+            <a:picLocks noGrp="1" noChangeAspect="1"/>
+          </p:cNvPicPr>
           <p:nvPr>
             <p:ph idx="1"/>
           </p:nvPr>
-        </p:nvSpPr>
-        <p:spPr/>
-        <p:txBody>
-          <a:bodyPr/>
-          <a:lstStyle/>
-          <a:p>
-            <a:endParaRPr lang="ru-RU"/>
-          </a:p>
-        </p:txBody>
-      </p:sp>
+        </p:nvPicPr>
+        <p:blipFill>
+          <a:blip r:embed="rId3"/>
+          <a:stretch>
+            <a:fillRect/>
+          </a:stretch>
+        </p:blipFill>
+        <p:spPr>
+          <a:xfrm>
+            <a:off x="461913" y="2289964"/>
+            <a:ext cx="4979016" cy="3585341"/>
+          </a:xfrm>
+          <a:prstGeom prst="rect">
+            <a:avLst/>
+          </a:prstGeom>
+        </p:spPr>
+      </p:pic>
+      <p:pic>
+        <p:nvPicPr>
+          <p:cNvPr id="5" name="Рисунок 4">
+            <a:extLst>
+              <a:ext uri="{FF2B5EF4-FFF2-40B4-BE49-F238E27FC236}">
+                <a16:creationId xmlns:a16="http://schemas.microsoft.com/office/drawing/2014/main" id="{000AD77E-CAD0-48B2-9058-79F568489960}"/>
+              </a:ext>
+            </a:extLst>
+          </p:cNvPr>
+          <p:cNvPicPr>
+            <a:picLocks noChangeAspect="1"/>
+          </p:cNvPicPr>
+          <p:nvPr/>
+        </p:nvPicPr>
+        <p:blipFill>
+          <a:blip r:embed="rId4"/>
+          <a:stretch>
+            <a:fillRect/>
+          </a:stretch>
+        </p:blipFill>
+        <p:spPr>
+          <a:xfrm>
+            <a:off x="5756457" y="2289964"/>
+            <a:ext cx="5131501" cy="3585340"/>
+          </a:xfrm>
+          <a:prstGeom prst="rect">
+            <a:avLst/>
+          </a:prstGeom>
+        </p:spPr>
+      </p:pic>
     </p:spTree>
     <p:extLst>
       <p:ext uri="{BB962C8B-B14F-4D97-AF65-F5344CB8AC3E}">
-        <p14:creationId xmlns:p14="http://schemas.microsoft.com/office/powerpoint/2010/main" val="2114303312"/>
+        <p14:creationId xmlns:p14="http://schemas.microsoft.com/office/powerpoint/2010/main" val="4008572675"/>
       </p:ext>
     </p:extLst>
   </p:cSld>
@@ -4446,7 +4439,7 @@
           <p:cNvPr id="2" name="Заголовок 1">
             <a:extLst>
               <a:ext uri="{FF2B5EF4-FFF2-40B4-BE49-F238E27FC236}">
-                <a16:creationId xmlns:a16="http://schemas.microsoft.com/office/drawing/2014/main" id="{9784C157-0A3A-4A87-9CC5-3C243ED7D2BC}"/>
+                <a16:creationId xmlns:a16="http://schemas.microsoft.com/office/drawing/2014/main" id="{83C82F83-74B2-4A12-BEC1-03D6513E0B72}"/>
               </a:ext>
             </a:extLst>
           </p:cNvPr>
@@ -4459,45 +4452,56 @@
         </p:nvSpPr>
         <p:spPr/>
         <p:txBody>
-          <a:bodyPr/>
-          <a:lstStyle/>
-          <a:p>
-            <a:r>
-              <a:rPr lang="ru-RU" dirty="0"/>
-              <a:t>3 уровень игры</a:t>
-            </a:r>
-          </a:p>
-        </p:txBody>
-      </p:sp>
-      <p:sp>
-        <p:nvSpPr>
-          <p:cNvPr id="3" name="Объект 2">
-            <a:extLst>
-              <a:ext uri="{FF2B5EF4-FFF2-40B4-BE49-F238E27FC236}">
-                <a16:creationId xmlns:a16="http://schemas.microsoft.com/office/drawing/2014/main" id="{E4E37FA6-2B74-46C9-8D6B-E7BE12A10B85}"/>
-              </a:ext>
-            </a:extLst>
-          </p:cNvPr>
-          <p:cNvSpPr>
-            <a:spLocks noGrp="1"/>
-          </p:cNvSpPr>
+          <a:bodyPr>
+            <a:normAutofit/>
+          </a:bodyPr>
+          <a:lstStyle/>
+          <a:p>
+            <a:r>
+              <a:rPr lang="ru-RU" sz="4800" dirty="0">
+                <a:latin typeface="Gabriola" panose="04040605051002020D02" pitchFamily="82" charset="0"/>
+              </a:rPr>
+              <a:t>Импортированные библиотеки</a:t>
+            </a:r>
+          </a:p>
+        </p:txBody>
+      </p:sp>
+      <p:pic>
+        <p:nvPicPr>
+          <p:cNvPr id="4" name="Объект 3">
+            <a:extLst>
+              <a:ext uri="{FF2B5EF4-FFF2-40B4-BE49-F238E27FC236}">
+                <a16:creationId xmlns:a16="http://schemas.microsoft.com/office/drawing/2014/main" id="{E2F11F42-56FA-47DD-8467-347FF928D37E}"/>
+              </a:ext>
+            </a:extLst>
+          </p:cNvPr>
+          <p:cNvPicPr>
+            <a:picLocks noGrp="1"/>
+          </p:cNvPicPr>
           <p:nvPr>
             <p:ph idx="1"/>
           </p:nvPr>
-        </p:nvSpPr>
-        <p:spPr/>
-        <p:txBody>
-          <a:bodyPr/>
-          <a:lstStyle/>
-          <a:p>
-            <a:endParaRPr lang="ru-RU"/>
-          </a:p>
-        </p:txBody>
-      </p:sp>
+        </p:nvPicPr>
+        <p:blipFill>
+          <a:blip r:embed="rId3"/>
+          <a:stretch>
+            <a:fillRect/>
+          </a:stretch>
+        </p:blipFill>
+        <p:spPr>
+          <a:xfrm>
+            <a:off x="1234911" y="2318994"/>
+            <a:ext cx="8973453" cy="3035134"/>
+          </a:xfrm>
+          <a:prstGeom prst="rect">
+            <a:avLst/>
+          </a:prstGeom>
+        </p:spPr>
+      </p:pic>
     </p:spTree>
     <p:extLst>
       <p:ext uri="{BB962C8B-B14F-4D97-AF65-F5344CB8AC3E}">
-        <p14:creationId xmlns:p14="http://schemas.microsoft.com/office/powerpoint/2010/main" val="1886237331"/>
+        <p14:creationId xmlns:p14="http://schemas.microsoft.com/office/powerpoint/2010/main" val="2114303312"/>
       </p:ext>
     </p:extLst>
   </p:cSld>
@@ -4544,7 +4548,7 @@
           <p:cNvPr id="2" name="Заголовок 1">
             <a:extLst>
               <a:ext uri="{FF2B5EF4-FFF2-40B4-BE49-F238E27FC236}">
-                <a16:creationId xmlns:a16="http://schemas.microsoft.com/office/drawing/2014/main" id="{0C89E9B8-4153-451C-A1F9-9AAC59C39A53}"/>
+                <a16:creationId xmlns:a16="http://schemas.microsoft.com/office/drawing/2014/main" id="{C4E3BC85-5F2E-4B48-A10F-53BE58F43E14}"/>
               </a:ext>
             </a:extLst>
           </p:cNvPr>
@@ -4557,45 +4561,86 @@
         </p:nvSpPr>
         <p:spPr/>
         <p:txBody>
-          <a:bodyPr/>
-          <a:lstStyle/>
-          <a:p>
-            <a:r>
-              <a:rPr lang="ru-RU" dirty="0"/>
-              <a:t>4 уровень игры</a:t>
-            </a:r>
-          </a:p>
-        </p:txBody>
-      </p:sp>
-      <p:sp>
-        <p:nvSpPr>
-          <p:cNvPr id="3" name="Объект 2">
-            <a:extLst>
-              <a:ext uri="{FF2B5EF4-FFF2-40B4-BE49-F238E27FC236}">
-                <a16:creationId xmlns:a16="http://schemas.microsoft.com/office/drawing/2014/main" id="{624556AF-ADD2-4BFB-9AE7-0ED6CA4A9775}"/>
-              </a:ext>
-            </a:extLst>
-          </p:cNvPr>
-          <p:cNvSpPr>
-            <a:spLocks noGrp="1"/>
-          </p:cNvSpPr>
+          <a:bodyPr>
+            <a:normAutofit/>
+          </a:bodyPr>
+          <a:lstStyle/>
+          <a:p>
+            <a:r>
+              <a:rPr lang="ru-RU" sz="5400" dirty="0">
+                <a:latin typeface="Gabriola" panose="04040605051002020D02" pitchFamily="82" charset="0"/>
+              </a:rPr>
+              <a:t>Таблицы в базе данных</a:t>
+            </a:r>
+          </a:p>
+        </p:txBody>
+      </p:sp>
+      <p:pic>
+        <p:nvPicPr>
+          <p:cNvPr id="4" name="Объект 3">
+            <a:extLst>
+              <a:ext uri="{FF2B5EF4-FFF2-40B4-BE49-F238E27FC236}">
+                <a16:creationId xmlns:a16="http://schemas.microsoft.com/office/drawing/2014/main" id="{CAC720E0-BECB-497A-8286-287BAB271FFC}"/>
+              </a:ext>
+            </a:extLst>
+          </p:cNvPr>
+          <p:cNvPicPr>
+            <a:picLocks noGrp="1"/>
+          </p:cNvPicPr>
           <p:nvPr>
             <p:ph idx="1"/>
           </p:nvPr>
-        </p:nvSpPr>
-        <p:spPr/>
-        <p:txBody>
-          <a:bodyPr/>
-          <a:lstStyle/>
-          <a:p>
-            <a:endParaRPr lang="ru-RU"/>
-          </a:p>
-        </p:txBody>
-      </p:sp>
+        </p:nvPicPr>
+        <p:blipFill>
+          <a:blip r:embed="rId3"/>
+          <a:stretch>
+            <a:fillRect/>
+          </a:stretch>
+        </p:blipFill>
+        <p:spPr>
+          <a:xfrm>
+            <a:off x="278273" y="3429000"/>
+            <a:ext cx="5726601" cy="3178904"/>
+          </a:xfrm>
+          <a:prstGeom prst="rect">
+            <a:avLst/>
+          </a:prstGeom>
+        </p:spPr>
+      </p:pic>
+      <p:pic>
+        <p:nvPicPr>
+          <p:cNvPr id="5" name="Рисунок 4">
+            <a:extLst>
+              <a:ext uri="{FF2B5EF4-FFF2-40B4-BE49-F238E27FC236}">
+                <a16:creationId xmlns:a16="http://schemas.microsoft.com/office/drawing/2014/main" id="{3A352954-CE21-4829-81EE-684114EB5B72}"/>
+              </a:ext>
+            </a:extLst>
+          </p:cNvPr>
+          <p:cNvPicPr>
+            <a:picLocks noChangeAspect="1"/>
+          </p:cNvPicPr>
+          <p:nvPr/>
+        </p:nvPicPr>
+        <p:blipFill>
+          <a:blip r:embed="rId4"/>
+          <a:stretch>
+            <a:fillRect/>
+          </a:stretch>
+        </p:blipFill>
+        <p:spPr>
+          <a:xfrm>
+            <a:off x="6344238" y="1690688"/>
+            <a:ext cx="5357567" cy="2950205"/>
+          </a:xfrm>
+          <a:prstGeom prst="rect">
+            <a:avLst/>
+          </a:prstGeom>
+        </p:spPr>
+      </p:pic>
     </p:spTree>
     <p:extLst>
       <p:ext uri="{BB962C8B-B14F-4D97-AF65-F5344CB8AC3E}">
-        <p14:creationId xmlns:p14="http://schemas.microsoft.com/office/powerpoint/2010/main" val="345127563"/>
+        <p14:creationId xmlns:p14="http://schemas.microsoft.com/office/powerpoint/2010/main" val="1794701630"/>
       </p:ext>
     </p:extLst>
   </p:cSld>
@@ -4642,7 +4687,7 @@
           <p:cNvPr id="2" name="Заголовок 1">
             <a:extLst>
               <a:ext uri="{FF2B5EF4-FFF2-40B4-BE49-F238E27FC236}">
-                <a16:creationId xmlns:a16="http://schemas.microsoft.com/office/drawing/2014/main" id="{D671BF0C-2643-42AF-A3B1-73AE359F805E}"/>
+                <a16:creationId xmlns:a16="http://schemas.microsoft.com/office/drawing/2014/main" id="{F6640370-AA15-4AD8-BD53-C0D415587C9E}"/>
               </a:ext>
             </a:extLst>
           </p:cNvPr>
@@ -4655,45 +4700,132 @@
         </p:nvSpPr>
         <p:spPr/>
         <p:txBody>
-          <a:bodyPr/>
-          <a:lstStyle/>
-          <a:p>
+          <a:bodyPr>
+            <a:normAutofit/>
+          </a:bodyPr>
+          <a:lstStyle/>
+          <a:p>
+            <a:r>
+              <a:rPr lang="ru-RU" sz="6000" dirty="0">
+                <a:latin typeface="Gabriola" panose="04040605051002020D02" pitchFamily="82" charset="0"/>
+              </a:rPr>
+              <a:t>Текстовые файлы</a:t>
+            </a:r>
+          </a:p>
+        </p:txBody>
+      </p:sp>
+      <p:pic>
+        <p:nvPicPr>
+          <p:cNvPr id="4" name="Объект 3">
+            <a:extLst>
+              <a:ext uri="{FF2B5EF4-FFF2-40B4-BE49-F238E27FC236}">
+                <a16:creationId xmlns:a16="http://schemas.microsoft.com/office/drawing/2014/main" id="{C159677F-1F90-4DB1-8953-BE8E715F6F5D}"/>
+              </a:ext>
+            </a:extLst>
+          </p:cNvPr>
+          <p:cNvPicPr>
+            <a:picLocks noGrp="1"/>
+          </p:cNvPicPr>
+          <p:nvPr>
+            <p:ph idx="1"/>
+          </p:nvPr>
+        </p:nvPicPr>
+        <p:blipFill>
+          <a:blip r:embed="rId3"/>
+          <a:stretch>
+            <a:fillRect/>
+          </a:stretch>
+        </p:blipFill>
+        <p:spPr>
+          <a:xfrm>
+            <a:off x="5536679" y="2380886"/>
+            <a:ext cx="4370528" cy="3776858"/>
+          </a:xfrm>
+          <a:prstGeom prst="rect">
+            <a:avLst/>
+          </a:prstGeom>
+        </p:spPr>
+      </p:pic>
+      <p:sp>
+        <p:nvSpPr>
+          <p:cNvPr id="5" name="TextBox 4">
+            <a:extLst>
+              <a:ext uri="{FF2B5EF4-FFF2-40B4-BE49-F238E27FC236}">
+                <a16:creationId xmlns:a16="http://schemas.microsoft.com/office/drawing/2014/main" id="{E7B0FFD1-ABCA-4E7A-9031-16B3CB7B07EB}"/>
+              </a:ext>
+            </a:extLst>
+          </p:cNvPr>
+          <p:cNvSpPr txBox="1"/>
+          <p:nvPr/>
+        </p:nvSpPr>
+        <p:spPr>
+          <a:xfrm>
+            <a:off x="254523" y="1796111"/>
+            <a:ext cx="4769963" cy="584775"/>
+          </a:xfrm>
+          <a:prstGeom prst="rect">
+            <a:avLst/>
+          </a:prstGeom>
+          <a:noFill/>
+        </p:spPr>
+        <p:txBody>
+          <a:bodyPr wrap="square" rtlCol="0">
+            <a:spAutoFit/>
+          </a:bodyPr>
+          <a:lstStyle/>
+          <a:p>
+            <a:pPr marL="285750" indent="-285750">
+              <a:buFont typeface="Arial" panose="020B0604020202020204" pitchFamily="34" charset="0"/>
+              <a:buChar char="•"/>
+            </a:pPr>
             <a:r>
               <a:rPr lang="ru-RU" dirty="0"/>
-              <a:t>Заключительное окно</a:t>
-            </a:r>
-          </a:p>
-        </p:txBody>
-      </p:sp>
-      <p:sp>
-        <p:nvSpPr>
-          <p:cNvPr id="3" name="Объект 2">
-            <a:extLst>
-              <a:ext uri="{FF2B5EF4-FFF2-40B4-BE49-F238E27FC236}">
-                <a16:creationId xmlns:a16="http://schemas.microsoft.com/office/drawing/2014/main" id="{F6D0F5A5-068D-4FFC-B40D-017F416074A3}"/>
-              </a:ext>
-            </a:extLst>
-          </p:cNvPr>
-          <p:cNvSpPr>
-            <a:spLocks noGrp="1"/>
-          </p:cNvSpPr>
-          <p:nvPr>
-            <p:ph idx="1"/>
-          </p:nvPr>
-        </p:nvSpPr>
-        <p:spPr/>
-        <p:txBody>
-          <a:bodyPr/>
-          <a:lstStyle/>
-          <a:p>
-            <a:endParaRPr lang="ru-RU"/>
-          </a:p>
-        </p:txBody>
-      </p:sp>
+              <a:t> </a:t>
+            </a:r>
+            <a:r>
+              <a:rPr lang="ru-RU" sz="3200" dirty="0">
+                <a:latin typeface="Gabriola" panose="04040605051002020D02" pitchFamily="82" charset="0"/>
+              </a:rPr>
+              <a:t>карты для лабиринта</a:t>
+            </a:r>
+            <a:endParaRPr lang="ru-RU" dirty="0"/>
+          </a:p>
+        </p:txBody>
+      </p:sp>
+      <p:pic>
+        <p:nvPicPr>
+          <p:cNvPr id="6" name="Рисунок 5">
+            <a:extLst>
+              <a:ext uri="{FF2B5EF4-FFF2-40B4-BE49-F238E27FC236}">
+                <a16:creationId xmlns:a16="http://schemas.microsoft.com/office/drawing/2014/main" id="{237AFBFB-CB2A-462E-B65C-EC9ED128EE70}"/>
+              </a:ext>
+            </a:extLst>
+          </p:cNvPr>
+          <p:cNvPicPr>
+            <a:picLocks noChangeAspect="1"/>
+          </p:cNvPicPr>
+          <p:nvPr/>
+        </p:nvPicPr>
+        <p:blipFill>
+          <a:blip r:embed="rId4"/>
+          <a:stretch>
+            <a:fillRect/>
+          </a:stretch>
+        </p:blipFill>
+        <p:spPr>
+          <a:xfrm>
+            <a:off x="1564848" y="3357718"/>
+            <a:ext cx="3321221" cy="2800026"/>
+          </a:xfrm>
+          <a:prstGeom prst="rect">
+            <a:avLst/>
+          </a:prstGeom>
+        </p:spPr>
+      </p:pic>
     </p:spTree>
     <p:extLst>
       <p:ext uri="{BB962C8B-B14F-4D97-AF65-F5344CB8AC3E}">
-        <p14:creationId xmlns:p14="http://schemas.microsoft.com/office/powerpoint/2010/main" val="4008572675"/>
+        <p14:creationId xmlns:p14="http://schemas.microsoft.com/office/powerpoint/2010/main" val="2289592213"/>
       </p:ext>
     </p:extLst>
   </p:cSld>
